--- a/FtcLessons/7-Autonomous.pptx
+++ b/FtcLessons/7-Autonomous.pptx
@@ -212,7 +212,7 @@
           <a:p>
             <a:fld id="{88DFE0DC-517A-40C1-B3B1-8C641051689B}" type="datetimeFigureOut">
               <a:rPr lang="en-US" smtClean="0"/>
-              <a:t>8/10/2023</a:t>
+              <a:t>9/20/2023</a:t>
             </a:fld>
             <a:endParaRPr lang="en-US"/>
           </a:p>
@@ -899,7 +899,7 @@
             <a:fld id="{5923F103-BC34-4FE4-A40E-EDDEECFDA5D0}" type="datetimeFigureOut">
               <a:rPr lang="en-US" dirty="0"/>
               <a:pPr/>
-              <a:t>8/10/2023</a:t>
+              <a:t>9/20/2023</a:t>
             </a:fld>
             <a:endParaRPr lang="en-US" dirty="0"/>
           </a:p>
@@ -1983,7 +1983,7 @@
           <a:p>
             <a:fld id="{923A1CC3-2375-41D4-9E03-427CAF2A4C1A}" type="datetimeFigureOut">
               <a:rPr lang="en-US" dirty="0"/>
-              <a:t>8/10/2023</a:t>
+              <a:t>9/20/2023</a:t>
             </a:fld>
             <a:endParaRPr lang="en-US" dirty="0"/>
           </a:p>
@@ -2959,7 +2959,7 @@
           <a:p>
             <a:fld id="{AFF16868-8199-4C2C-A5B1-63AEE139F88E}" type="datetimeFigureOut">
               <a:rPr lang="en-US" dirty="0"/>
-              <a:t>8/10/2023</a:t>
+              <a:t>9/20/2023</a:t>
             </a:fld>
             <a:endParaRPr lang="en-US" dirty="0"/>
           </a:p>
@@ -4089,7 +4089,7 @@
           <a:p>
             <a:fld id="{AAD9FF7F-6988-44CC-821B-644E70CD2F73}" type="datetimeFigureOut">
               <a:rPr lang="en-US" dirty="0"/>
-              <a:t>8/10/2023</a:t>
+              <a:t>9/20/2023</a:t>
             </a:fld>
             <a:endParaRPr lang="en-US" dirty="0"/>
           </a:p>
@@ -5118,7 +5118,7 @@
           <a:p>
             <a:fld id="{5C12C299-16B2-4475-990D-751901EACC14}" type="datetimeFigureOut">
               <a:rPr lang="en-US" dirty="0"/>
-              <a:t>8/10/2023</a:t>
+              <a:t>9/20/2023</a:t>
             </a:fld>
             <a:endParaRPr lang="en-US" dirty="0"/>
           </a:p>
@@ -5774,7 +5774,7 @@
           <a:p>
             <a:fld id="{9FE86839-B9D8-4651-8783-F325ECE74E65}" type="datetimeFigureOut">
               <a:rPr lang="en-US" dirty="0"/>
-              <a:t>8/10/2023</a:t>
+              <a:t>9/20/2023</a:t>
             </a:fld>
             <a:endParaRPr lang="en-US" dirty="0"/>
           </a:p>
@@ -6631,7 +6631,7 @@
           <a:p>
             <a:fld id="{FD484F64-32F6-45C5-931F-ADC1662401D0}" type="datetimeFigureOut">
               <a:rPr lang="en-US" dirty="0"/>
-              <a:t>8/10/2023</a:t>
+              <a:t>9/20/2023</a:t>
             </a:fld>
             <a:endParaRPr lang="en-US" dirty="0"/>
           </a:p>
@@ -6817,7 +6817,7 @@
           <a:p>
             <a:fld id="{53086D93-FCAC-47E0-A2EE-787E62CA814C}" type="datetimeFigureOut">
               <a:rPr lang="en-US" dirty="0"/>
-              <a:t>8/10/2023</a:t>
+              <a:t>9/20/2023</a:t>
             </a:fld>
             <a:endParaRPr lang="en-US" dirty="0"/>
           </a:p>
@@ -7785,7 +7785,7 @@
           <a:p>
             <a:fld id="{CDA879A6-0FD0-4734-A311-86BFCA472E6E}" type="datetimeFigureOut">
               <a:rPr lang="en-US" dirty="0"/>
-              <a:t>8/10/2023</a:t>
+              <a:t>9/20/2023</a:t>
             </a:fld>
             <a:endParaRPr lang="en-US" dirty="0"/>
           </a:p>
@@ -7992,7 +7992,7 @@
           <a:p>
             <a:fld id="{19C9CA7B-DFD4-44B5-8C60-D14B8CD1FB59}" type="datetimeFigureOut">
               <a:rPr lang="en-US" dirty="0"/>
-              <a:t>8/10/2023</a:t>
+              <a:t>9/20/2023</a:t>
             </a:fld>
             <a:endParaRPr lang="en-US" dirty="0"/>
           </a:p>
@@ -9022,7 +9022,7 @@
           <a:p>
             <a:fld id="{F34E6425-0181-43F2-84FC-787E803FD2F8}" type="datetimeFigureOut">
               <a:rPr lang="en-US" dirty="0"/>
-              <a:t>8/10/2023</a:t>
+              <a:t>9/20/2023</a:t>
             </a:fld>
             <a:endParaRPr lang="en-US" dirty="0"/>
           </a:p>
@@ -9290,7 +9290,7 @@
           <a:p>
             <a:fld id="{3BDB8791-F1B0-41E7-B7FD-A781E65C4266}" type="datetimeFigureOut">
               <a:rPr lang="en-US" dirty="0"/>
-              <a:t>8/10/2023</a:t>
+              <a:t>9/20/2023</a:t>
             </a:fld>
             <a:endParaRPr lang="en-US" dirty="0"/>
           </a:p>
@@ -9696,7 +9696,7 @@
           <a:p>
             <a:fld id="{5FDD63B2-E120-4ED8-B27B-C685F510A5FE}" type="datetimeFigureOut">
               <a:rPr lang="en-US" dirty="0"/>
-              <a:t>8/10/2023</a:t>
+              <a:t>9/20/2023</a:t>
             </a:fld>
             <a:endParaRPr lang="en-US" dirty="0"/>
           </a:p>
@@ -9819,7 +9819,7 @@
           <a:p>
             <a:fld id="{7AA18ACC-A947-437B-A130-35BD54FDF1E9}" type="datetimeFigureOut">
               <a:rPr lang="en-US" dirty="0"/>
-              <a:t>8/10/2023</a:t>
+              <a:t>9/20/2023</a:t>
             </a:fld>
             <a:endParaRPr lang="en-US" dirty="0"/>
           </a:p>
@@ -9910,7 +9910,7 @@
           <a:p>
             <a:fld id="{7C8D7E02-BCB8-4D50-A234-369438C08659}" type="datetimeFigureOut">
               <a:rPr lang="en-US" dirty="0"/>
-              <a:t>8/10/2023</a:t>
+              <a:t>9/20/2023</a:t>
             </a:fld>
             <a:endParaRPr lang="en-US" dirty="0"/>
           </a:p>
@@ -10987,7 +10987,7 @@
           <a:p>
             <a:fld id="{76E86A4C-8E40-4F87-A4F0-01A0687C5742}" type="datetimeFigureOut">
               <a:rPr lang="en-US" dirty="0"/>
-              <a:t>8/10/2023</a:t>
+              <a:t>9/20/2023</a:t>
             </a:fld>
             <a:endParaRPr lang="en-US" dirty="0"/>
           </a:p>
@@ -12091,7 +12091,7 @@
           <a:p>
             <a:fld id="{35E72C73-2D91-4E12-BA25-F0AA0C03599B}" type="datetimeFigureOut">
               <a:rPr lang="en-US" dirty="0"/>
-              <a:t>8/10/2023</a:t>
+              <a:t>9/20/2023</a:t>
             </a:fld>
             <a:endParaRPr lang="en-US" dirty="0"/>
           </a:p>
@@ -13084,7 +13084,7 @@
           <a:p>
             <a:fld id="{2BE451C3-0FF4-47C4-B829-773ADF60F88C}" type="datetimeFigureOut">
               <a:rPr lang="en-US" dirty="0"/>
-              <a:t>8/10/2023</a:t>
+              <a:t>9/20/2023</a:t>
             </a:fld>
             <a:endParaRPr lang="en-US" dirty="0"/>
           </a:p>
@@ -13708,7 +13708,7 @@
           <a:p>
             <a:r>
               <a:rPr lang="en-US" dirty="0"/>
-              <a:t>Titan Robotics Club FRC492</a:t>
+              <a:t>Titan Robotics Club FTC3543</a:t>
             </a:r>
           </a:p>
           <a:p>

--- a/FtcLessons/7-Autonomous.pptx
+++ b/FtcLessons/7-Autonomous.pptx
@@ -212,7 +212,7 @@
           <a:p>
             <a:fld id="{88DFE0DC-517A-40C1-B3B1-8C641051689B}" type="datetimeFigureOut">
               <a:rPr lang="en-US" smtClean="0"/>
-              <a:t>9/20/2023</a:t>
+              <a:t>9/22/2023</a:t>
             </a:fld>
             <a:endParaRPr lang="en-US"/>
           </a:p>
@@ -899,7 +899,7 @@
             <a:fld id="{5923F103-BC34-4FE4-A40E-EDDEECFDA5D0}" type="datetimeFigureOut">
               <a:rPr lang="en-US" dirty="0"/>
               <a:pPr/>
-              <a:t>9/20/2023</a:t>
+              <a:t>9/22/2023</a:t>
             </a:fld>
             <a:endParaRPr lang="en-US" dirty="0"/>
           </a:p>
@@ -1983,7 +1983,7 @@
           <a:p>
             <a:fld id="{923A1CC3-2375-41D4-9E03-427CAF2A4C1A}" type="datetimeFigureOut">
               <a:rPr lang="en-US" dirty="0"/>
-              <a:t>9/20/2023</a:t>
+              <a:t>9/22/2023</a:t>
             </a:fld>
             <a:endParaRPr lang="en-US" dirty="0"/>
           </a:p>
@@ -2959,7 +2959,7 @@
           <a:p>
             <a:fld id="{AFF16868-8199-4C2C-A5B1-63AEE139F88E}" type="datetimeFigureOut">
               <a:rPr lang="en-US" dirty="0"/>
-              <a:t>9/20/2023</a:t>
+              <a:t>9/22/2023</a:t>
             </a:fld>
             <a:endParaRPr lang="en-US" dirty="0"/>
           </a:p>
@@ -4089,7 +4089,7 @@
           <a:p>
             <a:fld id="{AAD9FF7F-6988-44CC-821B-644E70CD2F73}" type="datetimeFigureOut">
               <a:rPr lang="en-US" dirty="0"/>
-              <a:t>9/20/2023</a:t>
+              <a:t>9/22/2023</a:t>
             </a:fld>
             <a:endParaRPr lang="en-US" dirty="0"/>
           </a:p>
@@ -5118,7 +5118,7 @@
           <a:p>
             <a:fld id="{5C12C299-16B2-4475-990D-751901EACC14}" type="datetimeFigureOut">
               <a:rPr lang="en-US" dirty="0"/>
-              <a:t>9/20/2023</a:t>
+              <a:t>9/22/2023</a:t>
             </a:fld>
             <a:endParaRPr lang="en-US" dirty="0"/>
           </a:p>
@@ -5774,7 +5774,7 @@
           <a:p>
             <a:fld id="{9FE86839-B9D8-4651-8783-F325ECE74E65}" type="datetimeFigureOut">
               <a:rPr lang="en-US" dirty="0"/>
-              <a:t>9/20/2023</a:t>
+              <a:t>9/22/2023</a:t>
             </a:fld>
             <a:endParaRPr lang="en-US" dirty="0"/>
           </a:p>
@@ -6631,7 +6631,7 @@
           <a:p>
             <a:fld id="{FD484F64-32F6-45C5-931F-ADC1662401D0}" type="datetimeFigureOut">
               <a:rPr lang="en-US" dirty="0"/>
-              <a:t>9/20/2023</a:t>
+              <a:t>9/22/2023</a:t>
             </a:fld>
             <a:endParaRPr lang="en-US" dirty="0"/>
           </a:p>
@@ -6817,7 +6817,7 @@
           <a:p>
             <a:fld id="{53086D93-FCAC-47E0-A2EE-787E62CA814C}" type="datetimeFigureOut">
               <a:rPr lang="en-US" dirty="0"/>
-              <a:t>9/20/2023</a:t>
+              <a:t>9/22/2023</a:t>
             </a:fld>
             <a:endParaRPr lang="en-US" dirty="0"/>
           </a:p>
@@ -7785,7 +7785,7 @@
           <a:p>
             <a:fld id="{CDA879A6-0FD0-4734-A311-86BFCA472E6E}" type="datetimeFigureOut">
               <a:rPr lang="en-US" dirty="0"/>
-              <a:t>9/20/2023</a:t>
+              <a:t>9/22/2023</a:t>
             </a:fld>
             <a:endParaRPr lang="en-US" dirty="0"/>
           </a:p>
@@ -7992,7 +7992,7 @@
           <a:p>
             <a:fld id="{19C9CA7B-DFD4-44B5-8C60-D14B8CD1FB59}" type="datetimeFigureOut">
               <a:rPr lang="en-US" dirty="0"/>
-              <a:t>9/20/2023</a:t>
+              <a:t>9/22/2023</a:t>
             </a:fld>
             <a:endParaRPr lang="en-US" dirty="0"/>
           </a:p>
@@ -9022,7 +9022,7 @@
           <a:p>
             <a:fld id="{F34E6425-0181-43F2-84FC-787E803FD2F8}" type="datetimeFigureOut">
               <a:rPr lang="en-US" dirty="0"/>
-              <a:t>9/20/2023</a:t>
+              <a:t>9/22/2023</a:t>
             </a:fld>
             <a:endParaRPr lang="en-US" dirty="0"/>
           </a:p>
@@ -9290,7 +9290,7 @@
           <a:p>
             <a:fld id="{3BDB8791-F1B0-41E7-B7FD-A781E65C4266}" type="datetimeFigureOut">
               <a:rPr lang="en-US" dirty="0"/>
-              <a:t>9/20/2023</a:t>
+              <a:t>9/22/2023</a:t>
             </a:fld>
             <a:endParaRPr lang="en-US" dirty="0"/>
           </a:p>
@@ -9696,7 +9696,7 @@
           <a:p>
             <a:fld id="{5FDD63B2-E120-4ED8-B27B-C685F510A5FE}" type="datetimeFigureOut">
               <a:rPr lang="en-US" dirty="0"/>
-              <a:t>9/20/2023</a:t>
+              <a:t>9/22/2023</a:t>
             </a:fld>
             <a:endParaRPr lang="en-US" dirty="0"/>
           </a:p>
@@ -9819,7 +9819,7 @@
           <a:p>
             <a:fld id="{7AA18ACC-A947-437B-A130-35BD54FDF1E9}" type="datetimeFigureOut">
               <a:rPr lang="en-US" dirty="0"/>
-              <a:t>9/20/2023</a:t>
+              <a:t>9/22/2023</a:t>
             </a:fld>
             <a:endParaRPr lang="en-US" dirty="0"/>
           </a:p>
@@ -9910,7 +9910,7 @@
           <a:p>
             <a:fld id="{7C8D7E02-BCB8-4D50-A234-369438C08659}" type="datetimeFigureOut">
               <a:rPr lang="en-US" dirty="0"/>
-              <a:t>9/20/2023</a:t>
+              <a:t>9/22/2023</a:t>
             </a:fld>
             <a:endParaRPr lang="en-US" dirty="0"/>
           </a:p>
@@ -10987,7 +10987,7 @@
           <a:p>
             <a:fld id="{76E86A4C-8E40-4F87-A4F0-01A0687C5742}" type="datetimeFigureOut">
               <a:rPr lang="en-US" dirty="0"/>
-              <a:t>9/20/2023</a:t>
+              <a:t>9/22/2023</a:t>
             </a:fld>
             <a:endParaRPr lang="en-US" dirty="0"/>
           </a:p>
@@ -12091,7 +12091,7 @@
           <a:p>
             <a:fld id="{35E72C73-2D91-4E12-BA25-F0AA0C03599B}" type="datetimeFigureOut">
               <a:rPr lang="en-US" dirty="0"/>
-              <a:t>9/20/2023</a:t>
+              <a:t>9/22/2023</a:t>
             </a:fld>
             <a:endParaRPr lang="en-US" dirty="0"/>
           </a:p>
@@ -13084,7 +13084,7 @@
           <a:p>
             <a:fld id="{2BE451C3-0FF4-47C4-B829-773ADF60F88C}" type="datetimeFigureOut">
               <a:rPr lang="en-US" dirty="0"/>
-              <a:t>9/20/2023</a:t>
+              <a:t>9/22/2023</a:t>
             </a:fld>
             <a:endParaRPr lang="en-US" dirty="0"/>
           </a:p>
@@ -15955,7 +15955,7 @@
             <a:pPr lvl="1"/>
             <a:r>
               <a:rPr lang="en-US" dirty="0" err="1"/>
-              <a:t>Steamworks</a:t>
+              <a:t>PowerPlay</a:t>
             </a:r>
             <a:r>
               <a:rPr lang="en-US" dirty="0"/>
@@ -16100,7 +16100,7 @@
             </a:r>
             <a:r>
               <a:rPr lang="en-US" dirty="0"/>
-              <a:t>: An autonomous program that performs a sequence of operations using a state machine. Some operations can be started in parallel in the same state (don’t have dependencies to each other), others may need to wait for the previous operation(s) to finish before starting in a separate state. </a:t>
+              <a:t>: An autonomous program implementing an autonomous strategy that performs a sequence of operations using a state machine. Some operations can be started in parallel in the same state (don’t have dependencies to each other), others may need to wait for the previous operation(s) to finish before starting in a separate state. </a:t>
             </a:r>
             <a:r>
               <a:rPr lang="en-US" dirty="0" err="1"/>
@@ -17251,7 +17251,7 @@
             </a:r>
             <a:r>
               <a:rPr lang="en-US" dirty="0"/>
-              <a:t> usually implements a state machine with a number of states. Each state contains code to perform a number of independent operations that don’t depend on each other. Then it will wait for one or more of these operations to finish via events before moving onto the next state.</a:t>
+              <a:t> usually implements a state machine with a number of states. Each state contains code to perform a number of independent operations that don’t depend on each other. Then it will wait for one or more of these operations to finish via events before moving to the next state.</a:t>
             </a:r>
           </a:p>
           <a:p>
@@ -17356,7 +17356,7 @@
             </a:r>
             <a:r>
               <a:rPr lang="en-US" dirty="0"/>
-              <a:t> usually by Autonomous using the main robot thread.</a:t>
+              <a:t> usually by Autonomous using the main robot thread. It implements the states of the state machine.</a:t>
             </a:r>
             <a:endParaRPr lang="en-US" b="0" dirty="0">
               <a:solidFill>
@@ -19178,7 +19178,7 @@
         </p:spPr>
         <p:txBody>
           <a:bodyPr>
-            <a:normAutofit fontScale="85000" lnSpcReduction="10000"/>
+            <a:normAutofit fontScale="92500" lnSpcReduction="10000"/>
           </a:bodyPr>
           <a:lstStyle/>
           <a:p>
@@ -19204,84 +19204,51 @@
           <a:p>
             <a:r>
               <a:rPr lang="en-US" dirty="0"/>
-              <a:t>Let’s look at the autonomous period of the 2017 FIRST </a:t>
-            </a:r>
-            <a:r>
-              <a:rPr lang="en-US" dirty="0" err="1"/>
-              <a:t>Steamworks</a:t>
-            </a:r>
-            <a:r>
-              <a:rPr lang="en-US" dirty="0"/>
-              <a:t> season. </a:t>
+              <a:t>Let’s look at the autonomous period of the </a:t>
             </a:r>
             <a:r>
               <a:rPr lang="en-US" dirty="0">
                 <a:hlinkClick r:id="rId2"/>
               </a:rPr>
-              <a:t>2017 FIRST Robotics Competition STEAMWORKS Game Animation – YouTube</a:t>
-            </a:r>
-            <a:endParaRPr lang="en-US" dirty="0"/>
-          </a:p>
-          <a:p>
-            <a:r>
-              <a:rPr lang="en-US" dirty="0"/>
-              <a:t>Three ways to score in autonomous:</a:t>
+              <a:t>2023-24 FTC CenterStage</a:t>
+            </a:r>
+            <a:r>
+              <a:rPr lang="en-US" dirty="0"/>
+              <a:t> season.</a:t>
+            </a:r>
+          </a:p>
+          <a:p>
+            <a:r>
+              <a:rPr lang="en-US" dirty="0"/>
+              <a:t>Three ways to score in autonomous with a total score of 50 points:</a:t>
             </a:r>
           </a:p>
           <a:p>
             <a:pPr lvl="1"/>
             <a:r>
               <a:rPr lang="en-US" dirty="0"/>
-              <a:t>Cross the baseline (5 pts).</a:t>
+              <a:t>Score purple pixel on spike mark tape with team prop(20 pts).</a:t>
             </a:r>
           </a:p>
           <a:p>
             <a:pPr lvl="1"/>
             <a:r>
               <a:rPr lang="en-US" dirty="0"/>
-              <a:t>Score fuel in the boiler (1 pt per fuel into the top goal and 1 pt per 3 fuels into the bottom goal).</a:t>
+              <a:t>Score yellow pixel on the backdrop matching spike mark indicator (5 + 20 pts).</a:t>
             </a:r>
           </a:p>
           <a:p>
             <a:pPr lvl="1"/>
             <a:r>
               <a:rPr lang="en-US" dirty="0"/>
-              <a:t>Deliver gear to the airship (60 pts per rotor turning).</a:t>
-            </a:r>
-          </a:p>
-          <a:p>
-            <a:r>
-              <a:rPr lang="en-US" dirty="0"/>
-              <a:t>Autonomous period is only 15 seconds long, so we need to pick our strategy on what we can accomplish.</a:t>
-            </a:r>
-          </a:p>
-          <a:p>
-            <a:r>
-              <a:rPr lang="en-US" dirty="0"/>
-              <a:t>Here is a video of how we did in autonomous in one of the matches.</a:t>
-            </a:r>
-            <a:br>
-              <a:rPr lang="en-US" dirty="0"/>
-            </a:br>
-            <a:r>
-              <a:rPr lang="en-US" dirty="0">
-                <a:hlinkClick r:id="rId3"/>
-              </a:rPr>
-              <a:t>First </a:t>
-            </a:r>
-            <a:r>
-              <a:rPr lang="en-US" dirty="0" err="1">
-                <a:hlinkClick r:id="rId3"/>
-              </a:rPr>
-              <a:t>Steamworks</a:t>
-            </a:r>
-            <a:r>
-              <a:rPr lang="en-US" dirty="0">
-                <a:hlinkClick r:id="rId3"/>
-              </a:rPr>
-              <a:t>: Galileo Semifinal 1 Match 1 (World Championship - Houston) - YouTube</a:t>
-            </a:r>
-            <a:endParaRPr lang="en-US" dirty="0"/>
+              <a:t>Park robot in the backstage (5 pts).</a:t>
+            </a:r>
+          </a:p>
+          <a:p>
+            <a:r>
+              <a:rPr lang="en-US" dirty="0"/>
+              <a:t>Autonomous period is only 30 seconds long, so we need to pick our strategy on what we can accomplish.</a:t>
+            </a:r>
           </a:p>
         </p:txBody>
       </p:sp>
@@ -19337,12 +19304,8 @@
           <a:lstStyle/>
           <a:p>
             <a:r>
-              <a:rPr lang="en-US" dirty="0" err="1"/>
-              <a:t>Steamworks</a:t>
-            </a:r>
-            <a:r>
-              <a:rPr lang="en-US" dirty="0"/>
-              <a:t> Autonomous Analyzed</a:t>
+              <a:rPr lang="en-US" dirty="0"/>
+              <a:t>CenterStage Autonomous Analyzed</a:t>
             </a:r>
           </a:p>
         </p:txBody>
@@ -19371,34 +19334,34 @@
         </p:spPr>
         <p:txBody>
           <a:bodyPr>
-            <a:normAutofit fontScale="85000" lnSpcReduction="20000"/>
+            <a:normAutofit fontScale="92500" lnSpcReduction="10000"/>
           </a:bodyPr>
           <a:lstStyle/>
           <a:p>
             <a:r>
               <a:rPr lang="en-US" dirty="0"/>
-              <a:t>First, we set our autonomous goals trying to maximize our score within the 15-second period:</a:t>
+              <a:t>First, we set our autonomous goals trying to maximize our score within the 30-second period:</a:t>
             </a:r>
           </a:p>
           <a:p>
             <a:pPr lvl="1"/>
             <a:r>
               <a:rPr lang="en-US" dirty="0"/>
-              <a:t>Cross the baseline.</a:t>
+              <a:t>Score purple pixel on spike mark tape with team prop.</a:t>
             </a:r>
           </a:p>
           <a:p>
             <a:pPr lvl="1"/>
             <a:r>
               <a:rPr lang="en-US" dirty="0"/>
-              <a:t>Deliver the gear to the airship.</a:t>
+              <a:t>Score yellow pixel on the backdrop matching spike mark indicator.</a:t>
             </a:r>
           </a:p>
           <a:p>
             <a:pPr lvl="1"/>
             <a:r>
               <a:rPr lang="en-US" dirty="0"/>
-              <a:t>Run as far as we could to our gear loading station on the opponent side and stop.</a:t>
+              <a:t>Park robot in the backstage.</a:t>
             </a:r>
           </a:p>
           <a:p>
@@ -19414,7 +19377,7 @@
             </a:pPr>
             <a:r>
               <a:rPr lang="en-US" dirty="0"/>
-              <a:t>Park the robot either on the left or the right side.</a:t>
+              <a:t>Use vision to determine the spike mark location where the team prop is on.</a:t>
             </a:r>
           </a:p>
           <a:p>
@@ -19424,7 +19387,7 @@
             </a:pPr>
             <a:r>
               <a:rPr lang="en-US" dirty="0"/>
-              <a:t>Move forward 85 inches crossing the baseline.</a:t>
+              <a:t>Navigate the robot to the spike mark where the team prop is.</a:t>
             </a:r>
           </a:p>
           <a:p>
@@ -19434,7 +19397,7 @@
             </a:pPr>
             <a:r>
               <a:rPr lang="en-US" dirty="0"/>
-              <a:t>Turn left or right approx. 60 degrees toward the airship.</a:t>
+              <a:t>Place the purple pixel on the spike mark.</a:t>
             </a:r>
           </a:p>
           <a:p>
@@ -19444,7 +19407,7 @@
             </a:pPr>
             <a:r>
               <a:rPr lang="en-US" dirty="0"/>
-              <a:t>Use vision to align with target.</a:t>
+              <a:t>Navigate to the backdrop location indicated by the spike mark randomization.</a:t>
             </a:r>
           </a:p>
           <a:p>
@@ -19454,7 +19417,15 @@
             </a:pPr>
             <a:r>
               <a:rPr lang="en-US" dirty="0"/>
-              <a:t>Move forward until about 7 inches in front of the peg.</a:t>
+              <a:t>Use vision to align the robot to the appropriate </a:t>
+            </a:r>
+            <a:r>
+              <a:rPr lang="en-US" dirty="0" err="1"/>
+              <a:t>AprilTag</a:t>
+            </a:r>
+            <a:r>
+              <a:rPr lang="en-US" dirty="0"/>
+              <a:t>.</a:t>
             </a:r>
           </a:p>
           <a:p>
@@ -19464,7 +19435,7 @@
             </a:pPr>
             <a:r>
               <a:rPr lang="en-US" dirty="0"/>
-              <a:t>Deploy the gear onto the peg.</a:t>
+              <a:t>Place the yellow pixel on the backdrop at the location indicated by the spike mark randomization.</a:t>
             </a:r>
           </a:p>
           <a:p>
@@ -19474,27 +19445,7 @@
             </a:pPr>
             <a:r>
               <a:rPr lang="en-US" dirty="0"/>
-              <a:t>Backup 36 inches.</a:t>
-            </a:r>
-          </a:p>
-          <a:p>
-            <a:pPr marL="800100" lvl="1" indent="-342900">
-              <a:buFont typeface="+mj-lt"/>
-              <a:buAutoNum type="arabicPeriod"/>
-            </a:pPr>
-            <a:r>
-              <a:rPr lang="en-US" dirty="0"/>
-              <a:t>Turn back facing the opponent side.</a:t>
-            </a:r>
-          </a:p>
-          <a:p>
-            <a:pPr marL="800100" lvl="1" indent="-342900">
-              <a:buFont typeface="+mj-lt"/>
-              <a:buAutoNum type="arabicPeriod"/>
-            </a:pPr>
-            <a:r>
-              <a:rPr lang="en-US" dirty="0"/>
-              <a:t>Move forward about 320 inches into the neutral zone.</a:t>
+              <a:t>Navigate the robot in the backstage and park.</a:t>
             </a:r>
           </a:p>
           <a:p>
@@ -19567,15 +19518,7 @@
           <a:p>
             <a:r>
               <a:rPr lang="en-US" dirty="0"/>
-              <a:t>Exercise: </a:t>
-            </a:r>
-            <a:r>
-              <a:rPr lang="en-US" dirty="0" err="1"/>
-              <a:t>Steamworks</a:t>
-            </a:r>
-            <a:r>
-              <a:rPr lang="en-US" dirty="0"/>
-              <a:t> Autonomous</a:t>
+              <a:t>Exercise: CenterStage Autonomous</a:t>
             </a:r>
           </a:p>
         </p:txBody>
@@ -19610,15 +19553,7 @@
           <a:p>
             <a:r>
               <a:rPr lang="en-US" dirty="0"/>
-              <a:t>Create an autonomous command module for FIRST </a:t>
-            </a:r>
-            <a:r>
-              <a:rPr lang="en-US" dirty="0" err="1"/>
-              <a:t>Steamworks</a:t>
-            </a:r>
-            <a:r>
-              <a:rPr lang="en-US" dirty="0"/>
-              <a:t> that does the following:</a:t>
+              <a:t>Create an autonomous command module for CenterStage that does the following:</a:t>
             </a:r>
           </a:p>
           <a:p>
